--- a/ppt/03-DesignPattern.pptx
+++ b/ppt/03-DesignPattern.pptx
@@ -11074,7 +11074,7 @@
         </p:blipFill>
         <p:spPr bwMode="auto">
           <a:xfrm>
-            <a:off x="3491880" y="3671888"/>
+            <a:off x="4067944" y="4509120"/>
             <a:ext cx="1219200" cy="485775"/>
           </a:xfrm>
           <a:prstGeom prst="rect">
